--- a/00.Document/02.프리프로덕션/01.기획서/[시스템]시스템기획서_180411_우정윤,허지훈v0.3.pptx
+++ b/00.Document/02.프리프로덕션/01.기획서/[시스템]시스템기획서_180411_우정윤,허지훈v0.3.pptx
@@ -9,6 +9,9 @@
     <p:sldId id="259" r:id="rId3"/>
     <p:sldId id="257" r:id="rId4"/>
     <p:sldId id="258" r:id="rId5"/>
+    <p:sldId id="260" r:id="rId6"/>
+    <p:sldId id="261" r:id="rId7"/>
+    <p:sldId id="262" r:id="rId8"/>
   </p:sldIdLst>
   <p:sldSz cx="9144000" cy="6858000" type="screen4x3"/>
   <p:notesSz cx="6858000" cy="9144000"/>
@@ -107,6 +110,22 @@
       </a:defRPr>
     </a:lvl9pPr>
   </p:defaultTextStyle>
+  <p:extLst>
+    <p:ext uri="{EFAFB233-063F-42B5-8137-9DF3F51BA10A}">
+      <p15:sldGuideLst xmlns:p15="http://schemas.microsoft.com/office/powerpoint/2012/main">
+        <p15:guide id="1" orient="horz" pos="2160">
+          <p15:clr>
+            <a:srgbClr val="A4A3A4"/>
+          </p15:clr>
+        </p15:guide>
+        <p15:guide id="2" pos="2880">
+          <p15:clr>
+            <a:srgbClr val="A4A3A4"/>
+          </p15:clr>
+        </p15:guide>
+      </p15:sldGuideLst>
+    </p:ext>
+  </p:extLst>
 </p:presentation>
 </file>
 
@@ -291,7 +310,7 @@
           <a:p>
             <a:fld id="{5BFACF18-0FC4-408F-9873-A5C5A6C3D95D}" type="datetimeFigureOut">
               <a:rPr lang="ko-KR" altLang="en-US" smtClean="0"/>
-              <a:t>2018-04-11</a:t>
+              <a:t>2018-05-23</a:t>
             </a:fld>
             <a:endParaRPr lang="ko-KR" altLang="en-US"/>
           </a:p>
@@ -461,7 +480,7 @@
           <a:p>
             <a:fld id="{5BFACF18-0FC4-408F-9873-A5C5A6C3D95D}" type="datetimeFigureOut">
               <a:rPr lang="ko-KR" altLang="en-US" smtClean="0"/>
-              <a:t>2018-04-11</a:t>
+              <a:t>2018-05-23</a:t>
             </a:fld>
             <a:endParaRPr lang="ko-KR" altLang="en-US"/>
           </a:p>
@@ -641,7 +660,7 @@
           <a:p>
             <a:fld id="{5BFACF18-0FC4-408F-9873-A5C5A6C3D95D}" type="datetimeFigureOut">
               <a:rPr lang="ko-KR" altLang="en-US" smtClean="0"/>
-              <a:t>2018-04-11</a:t>
+              <a:t>2018-05-23</a:t>
             </a:fld>
             <a:endParaRPr lang="ko-KR" altLang="en-US"/>
           </a:p>
@@ -811,7 +830,7 @@
           <a:p>
             <a:fld id="{5BFACF18-0FC4-408F-9873-A5C5A6C3D95D}" type="datetimeFigureOut">
               <a:rPr lang="ko-KR" altLang="en-US" smtClean="0"/>
-              <a:t>2018-04-11</a:t>
+              <a:t>2018-05-23</a:t>
             </a:fld>
             <a:endParaRPr lang="ko-KR" altLang="en-US"/>
           </a:p>
@@ -1057,7 +1076,7 @@
           <a:p>
             <a:fld id="{5BFACF18-0FC4-408F-9873-A5C5A6C3D95D}" type="datetimeFigureOut">
               <a:rPr lang="ko-KR" altLang="en-US" smtClean="0"/>
-              <a:t>2018-04-11</a:t>
+              <a:t>2018-05-23</a:t>
             </a:fld>
             <a:endParaRPr lang="ko-KR" altLang="en-US"/>
           </a:p>
@@ -1345,7 +1364,7 @@
           <a:p>
             <a:fld id="{5BFACF18-0FC4-408F-9873-A5C5A6C3D95D}" type="datetimeFigureOut">
               <a:rPr lang="ko-KR" altLang="en-US" smtClean="0"/>
-              <a:t>2018-04-11</a:t>
+              <a:t>2018-05-23</a:t>
             </a:fld>
             <a:endParaRPr lang="ko-KR" altLang="en-US"/>
           </a:p>
@@ -1767,7 +1786,7 @@
           <a:p>
             <a:fld id="{5BFACF18-0FC4-408F-9873-A5C5A6C3D95D}" type="datetimeFigureOut">
               <a:rPr lang="ko-KR" altLang="en-US" smtClean="0"/>
-              <a:t>2018-04-11</a:t>
+              <a:t>2018-05-23</a:t>
             </a:fld>
             <a:endParaRPr lang="ko-KR" altLang="en-US"/>
           </a:p>
@@ -1885,7 +1904,7 @@
           <a:p>
             <a:fld id="{5BFACF18-0FC4-408F-9873-A5C5A6C3D95D}" type="datetimeFigureOut">
               <a:rPr lang="ko-KR" altLang="en-US" smtClean="0"/>
-              <a:t>2018-04-11</a:t>
+              <a:t>2018-05-23</a:t>
             </a:fld>
             <a:endParaRPr lang="ko-KR" altLang="en-US"/>
           </a:p>
@@ -1980,7 +1999,7 @@
           <a:p>
             <a:fld id="{5BFACF18-0FC4-408F-9873-A5C5A6C3D95D}" type="datetimeFigureOut">
               <a:rPr lang="ko-KR" altLang="en-US" smtClean="0"/>
-              <a:t>2018-04-11</a:t>
+              <a:t>2018-05-23</a:t>
             </a:fld>
             <a:endParaRPr lang="ko-KR" altLang="en-US"/>
           </a:p>
@@ -2257,7 +2276,7 @@
           <a:p>
             <a:fld id="{5BFACF18-0FC4-408F-9873-A5C5A6C3D95D}" type="datetimeFigureOut">
               <a:rPr lang="ko-KR" altLang="en-US" smtClean="0"/>
-              <a:t>2018-04-11</a:t>
+              <a:t>2018-05-23</a:t>
             </a:fld>
             <a:endParaRPr lang="ko-KR" altLang="en-US"/>
           </a:p>
@@ -2510,7 +2529,7 @@
           <a:p>
             <a:fld id="{5BFACF18-0FC4-408F-9873-A5C5A6C3D95D}" type="datetimeFigureOut">
               <a:rPr lang="ko-KR" altLang="en-US" smtClean="0"/>
-              <a:t>2018-04-11</a:t>
+              <a:t>2018-05-23</a:t>
             </a:fld>
             <a:endParaRPr lang="ko-KR" altLang="en-US"/>
           </a:p>
@@ -2723,7 +2742,7 @@
           <a:p>
             <a:fld id="{5BFACF18-0FC4-408F-9873-A5C5A6C3D95D}" type="datetimeFigureOut">
               <a:rPr lang="ko-KR" altLang="en-US" smtClean="0"/>
-              <a:t>2018-04-11</a:t>
+              <a:t>2018-05-23</a:t>
             </a:fld>
             <a:endParaRPr lang="ko-KR" altLang="en-US"/>
           </a:p>
@@ -5124,6 +5143,809 @@
 </p:sld>
 </file>
 
+<file path=ppt/slides/slide5.xml><?xml version="1.0" encoding="utf-8"?>
+<p:sld xmlns:a="http://schemas.openxmlformats.org/drawingml/2006/main" xmlns:r="http://schemas.openxmlformats.org/officeDocument/2006/relationships" xmlns:p="http://schemas.openxmlformats.org/presentationml/2006/main">
+  <p:cSld>
+    <p:spTree>
+      <p:nvGrpSpPr>
+        <p:cNvPr id="1" name=""/>
+        <p:cNvGrpSpPr/>
+        <p:nvPr/>
+      </p:nvGrpSpPr>
+      <p:grpSpPr>
+        <a:xfrm>
+          <a:off x="0" y="0"/>
+          <a:ext cx="0" cy="0"/>
+          <a:chOff x="0" y="0"/>
+          <a:chExt cx="0" cy="0"/>
+        </a:xfrm>
+      </p:grpSpPr>
+      <p:grpSp>
+        <p:nvGrpSpPr>
+          <p:cNvPr id="15" name="그룹 14"/>
+          <p:cNvGrpSpPr/>
+          <p:nvPr/>
+        </p:nvGrpSpPr>
+        <p:grpSpPr>
+          <a:xfrm>
+            <a:off x="971600" y="1268760"/>
+            <a:ext cx="7200800" cy="4320480"/>
+            <a:chOff x="971600" y="1268760"/>
+            <a:chExt cx="7200800" cy="4320480"/>
+          </a:xfrm>
+        </p:grpSpPr>
+        <p:grpSp>
+          <p:nvGrpSpPr>
+            <p:cNvPr id="5" name="그룹 4"/>
+            <p:cNvGrpSpPr/>
+            <p:nvPr/>
+          </p:nvGrpSpPr>
+          <p:grpSpPr>
+            <a:xfrm>
+              <a:off x="971600" y="1268760"/>
+              <a:ext cx="7200800" cy="4320480"/>
+              <a:chOff x="971600" y="1268760"/>
+              <a:chExt cx="7200800" cy="4320480"/>
+            </a:xfrm>
+          </p:grpSpPr>
+          <p:sp>
+            <p:nvSpPr>
+              <p:cNvPr id="11" name="직사각형 10"/>
+              <p:cNvSpPr/>
+              <p:nvPr/>
+            </p:nvSpPr>
+            <p:spPr>
+              <a:xfrm>
+                <a:off x="971600" y="1268760"/>
+                <a:ext cx="7200800" cy="4320480"/>
+              </a:xfrm>
+              <a:prstGeom prst="rect">
+                <a:avLst/>
+              </a:prstGeom>
+              <a:solidFill>
+                <a:srgbClr val="868686"/>
+              </a:solidFill>
+              <a:ln>
+                <a:solidFill>
+                  <a:schemeClr val="tx1"/>
+                </a:solidFill>
+              </a:ln>
+            </p:spPr>
+            <p:style>
+              <a:lnRef idx="2">
+                <a:schemeClr val="accent1">
+                  <a:shade val="50000"/>
+                </a:schemeClr>
+              </a:lnRef>
+              <a:fillRef idx="1">
+                <a:schemeClr val="accent1"/>
+              </a:fillRef>
+              <a:effectRef idx="0">
+                <a:schemeClr val="accent1"/>
+              </a:effectRef>
+              <a:fontRef idx="minor">
+                <a:schemeClr val="lt1"/>
+              </a:fontRef>
+            </p:style>
+            <p:txBody>
+              <a:bodyPr rtlCol="0" anchor="ctr"/>
+              <a:lstStyle/>
+              <a:p>
+                <a:pPr algn="ctr"/>
+                <a:endParaRPr lang="ko-KR" altLang="en-US" u="sng"/>
+              </a:p>
+            </p:txBody>
+          </p:sp>
+          <p:sp>
+            <p:nvSpPr>
+              <p:cNvPr id="12" name="사각형 설명선 11"/>
+              <p:cNvSpPr/>
+              <p:nvPr/>
+            </p:nvSpPr>
+            <p:spPr>
+              <a:xfrm>
+                <a:off x="1572304" y="1772816"/>
+                <a:ext cx="360040" cy="432048"/>
+              </a:xfrm>
+              <a:prstGeom prst="wedgeRectCallout">
+                <a:avLst>
+                  <a:gd name="adj1" fmla="val 72610"/>
+                  <a:gd name="adj2" fmla="val 84463"/>
+                </a:avLst>
+              </a:prstGeom>
+              <a:noFill/>
+              <a:ln>
+                <a:solidFill>
+                  <a:schemeClr val="tx1"/>
+                </a:solidFill>
+              </a:ln>
+            </p:spPr>
+            <p:style>
+              <a:lnRef idx="2">
+                <a:schemeClr val="accent1">
+                  <a:shade val="50000"/>
+                </a:schemeClr>
+              </a:lnRef>
+              <a:fillRef idx="1">
+                <a:schemeClr val="accent1"/>
+              </a:fillRef>
+              <a:effectRef idx="0">
+                <a:schemeClr val="accent1"/>
+              </a:effectRef>
+              <a:fontRef idx="minor">
+                <a:schemeClr val="lt1"/>
+              </a:fontRef>
+            </p:style>
+            <p:txBody>
+              <a:bodyPr rtlCol="0" anchor="ctr"/>
+              <a:lstStyle/>
+              <a:p>
+                <a:pPr algn="ctr"/>
+                <a:r>
+                  <a:rPr lang="en-US" altLang="ko-KR" sz="3600" b="1" u="sng" dirty="0" smtClean="0">
+                    <a:solidFill>
+                      <a:schemeClr val="tx1"/>
+                    </a:solidFill>
+                  </a:rPr>
+                  <a:t>1</a:t>
+                </a:r>
+                <a:endParaRPr lang="ko-KR" altLang="en-US" b="1" u="sng" dirty="0">
+                  <a:solidFill>
+                    <a:schemeClr val="tx1"/>
+                  </a:solidFill>
+                </a:endParaRPr>
+              </a:p>
+            </p:txBody>
+          </p:sp>
+          <p:sp>
+            <p:nvSpPr>
+              <p:cNvPr id="13" name="직사각형 12"/>
+              <p:cNvSpPr/>
+              <p:nvPr/>
+            </p:nvSpPr>
+            <p:spPr>
+              <a:xfrm flipV="1">
+                <a:off x="2051720" y="2276872"/>
+                <a:ext cx="5112568" cy="1800200"/>
+              </a:xfrm>
+              <a:prstGeom prst="rect">
+                <a:avLst/>
+              </a:prstGeom>
+              <a:noFill/>
+              <a:ln>
+                <a:solidFill>
+                  <a:schemeClr val="tx1"/>
+                </a:solidFill>
+                <a:prstDash val="sysDash"/>
+              </a:ln>
+            </p:spPr>
+            <p:style>
+              <a:lnRef idx="2">
+                <a:schemeClr val="accent1">
+                  <a:shade val="50000"/>
+                </a:schemeClr>
+              </a:lnRef>
+              <a:fillRef idx="1">
+                <a:schemeClr val="accent1"/>
+              </a:fillRef>
+              <a:effectRef idx="0">
+                <a:schemeClr val="accent1"/>
+              </a:effectRef>
+              <a:fontRef idx="minor">
+                <a:schemeClr val="lt1"/>
+              </a:fontRef>
+            </p:style>
+            <p:txBody>
+              <a:bodyPr rtlCol="0" anchor="ctr"/>
+              <a:lstStyle/>
+              <a:p>
+                <a:pPr algn="ctr"/>
+                <a:endParaRPr lang="ko-KR" altLang="en-US" u="sng"/>
+              </a:p>
+            </p:txBody>
+          </p:sp>
+        </p:grpSp>
+        <p:sp>
+          <p:nvSpPr>
+            <p:cNvPr id="7" name="직사각형 6"/>
+            <p:cNvSpPr/>
+            <p:nvPr/>
+          </p:nvSpPr>
+          <p:spPr>
+            <a:xfrm>
+              <a:off x="1752324" y="4819051"/>
+              <a:ext cx="5772004" cy="338141"/>
+            </a:xfrm>
+            <a:prstGeom prst="rect">
+              <a:avLst/>
+            </a:prstGeom>
+            <a:solidFill>
+              <a:schemeClr val="tx1">
+                <a:lumMod val="50000"/>
+                <a:lumOff val="50000"/>
+              </a:schemeClr>
+            </a:solidFill>
+            <a:ln>
+              <a:solidFill>
+                <a:schemeClr val="tx1"/>
+              </a:solidFill>
+            </a:ln>
+          </p:spPr>
+          <p:style>
+            <a:lnRef idx="2">
+              <a:schemeClr val="accent1">
+                <a:shade val="50000"/>
+              </a:schemeClr>
+            </a:lnRef>
+            <a:fillRef idx="1">
+              <a:schemeClr val="accent1"/>
+            </a:fillRef>
+            <a:effectRef idx="0">
+              <a:schemeClr val="accent1"/>
+            </a:effectRef>
+            <a:fontRef idx="minor">
+              <a:schemeClr val="lt1"/>
+            </a:fontRef>
+          </p:style>
+          <p:txBody>
+            <a:bodyPr rtlCol="0" anchor="ctr"/>
+            <a:lstStyle/>
+            <a:p>
+              <a:pPr algn="ctr"/>
+              <a:endParaRPr lang="ko-KR" altLang="en-US" u="sng"/>
+            </a:p>
+          </p:txBody>
+        </p:sp>
+        <p:sp>
+          <p:nvSpPr>
+            <p:cNvPr id="8" name="직사각형 7"/>
+            <p:cNvSpPr/>
+            <p:nvPr/>
+          </p:nvSpPr>
+          <p:spPr>
+            <a:xfrm>
+              <a:off x="1752324" y="4851842"/>
+              <a:ext cx="5267947" cy="277083"/>
+            </a:xfrm>
+            <a:prstGeom prst="rect">
+              <a:avLst/>
+            </a:prstGeom>
+            <a:solidFill>
+              <a:schemeClr val="tx1"/>
+            </a:solidFill>
+            <a:ln>
+              <a:solidFill>
+                <a:schemeClr val="tx1"/>
+              </a:solidFill>
+            </a:ln>
+          </p:spPr>
+          <p:style>
+            <a:lnRef idx="2">
+              <a:schemeClr val="accent1">
+                <a:shade val="50000"/>
+              </a:schemeClr>
+            </a:lnRef>
+            <a:fillRef idx="1">
+              <a:schemeClr val="accent1"/>
+            </a:fillRef>
+            <a:effectRef idx="0">
+              <a:schemeClr val="accent1"/>
+            </a:effectRef>
+            <a:fontRef idx="minor">
+              <a:schemeClr val="lt1"/>
+            </a:fontRef>
+          </p:style>
+          <p:txBody>
+            <a:bodyPr rtlCol="0" anchor="ctr"/>
+            <a:lstStyle/>
+            <a:p>
+              <a:pPr algn="ctr"/>
+              <a:endParaRPr lang="ko-KR" altLang="en-US" u="sng"/>
+            </a:p>
+          </p:txBody>
+        </p:sp>
+        <p:sp>
+          <p:nvSpPr>
+            <p:cNvPr id="9" name="사각형 설명선 8"/>
+            <p:cNvSpPr/>
+            <p:nvPr/>
+          </p:nvSpPr>
+          <p:spPr>
+            <a:xfrm>
+              <a:off x="1273404" y="4387003"/>
+              <a:ext cx="360040" cy="432048"/>
+            </a:xfrm>
+            <a:prstGeom prst="wedgeRectCallout">
+              <a:avLst>
+                <a:gd name="adj1" fmla="val 48650"/>
+                <a:gd name="adj2" fmla="val 84463"/>
+              </a:avLst>
+            </a:prstGeom>
+            <a:noFill/>
+            <a:ln>
+              <a:solidFill>
+                <a:schemeClr val="tx1"/>
+              </a:solidFill>
+            </a:ln>
+          </p:spPr>
+          <p:style>
+            <a:lnRef idx="2">
+              <a:schemeClr val="accent1">
+                <a:shade val="50000"/>
+              </a:schemeClr>
+            </a:lnRef>
+            <a:fillRef idx="1">
+              <a:schemeClr val="accent1"/>
+            </a:fillRef>
+            <a:effectRef idx="0">
+              <a:schemeClr val="accent1"/>
+            </a:effectRef>
+            <a:fontRef idx="minor">
+              <a:schemeClr val="lt1"/>
+            </a:fontRef>
+          </p:style>
+          <p:txBody>
+            <a:bodyPr rtlCol="0" anchor="ctr"/>
+            <a:lstStyle/>
+            <a:p>
+              <a:pPr algn="ctr"/>
+              <a:r>
+                <a:rPr lang="en-US" altLang="ko-KR" sz="3600" b="1" u="sng" dirty="0" smtClean="0">
+                  <a:solidFill>
+                    <a:schemeClr val="tx1"/>
+                  </a:solidFill>
+                </a:rPr>
+                <a:t>2</a:t>
+              </a:r>
+              <a:endParaRPr lang="ko-KR" altLang="en-US" b="1" u="sng" dirty="0">
+                <a:solidFill>
+                  <a:schemeClr val="tx1"/>
+                </a:solidFill>
+              </a:endParaRPr>
+            </a:p>
+          </p:txBody>
+        </p:sp>
+        <p:sp>
+          <p:nvSpPr>
+            <p:cNvPr id="10" name="직사각형 9"/>
+            <p:cNvSpPr/>
+            <p:nvPr/>
+          </p:nvSpPr>
+          <p:spPr>
+            <a:xfrm flipV="1">
+              <a:off x="1691680" y="4747042"/>
+              <a:ext cx="5976664" cy="482157"/>
+            </a:xfrm>
+            <a:prstGeom prst="rect">
+              <a:avLst/>
+            </a:prstGeom>
+            <a:noFill/>
+            <a:ln>
+              <a:solidFill>
+                <a:schemeClr val="tx1"/>
+              </a:solidFill>
+              <a:prstDash val="sysDash"/>
+            </a:ln>
+          </p:spPr>
+          <p:style>
+            <a:lnRef idx="2">
+              <a:schemeClr val="accent1">
+                <a:shade val="50000"/>
+              </a:schemeClr>
+            </a:lnRef>
+            <a:fillRef idx="1">
+              <a:schemeClr val="accent1"/>
+            </a:fillRef>
+            <a:effectRef idx="0">
+              <a:schemeClr val="accent1"/>
+            </a:effectRef>
+            <a:fontRef idx="minor">
+              <a:schemeClr val="lt1"/>
+            </a:fontRef>
+          </p:style>
+          <p:txBody>
+            <a:bodyPr rtlCol="0" anchor="ctr"/>
+            <a:lstStyle/>
+            <a:p>
+              <a:pPr algn="ctr"/>
+              <a:endParaRPr lang="ko-KR" altLang="en-US" u="sng"/>
+            </a:p>
+          </p:txBody>
+        </p:sp>
+        <p:sp>
+          <p:nvSpPr>
+            <p:cNvPr id="14" name="TextBox 13"/>
+            <p:cNvSpPr txBox="1"/>
+            <p:nvPr/>
+          </p:nvSpPr>
+          <p:spPr>
+            <a:xfrm>
+              <a:off x="2195736" y="2492896"/>
+              <a:ext cx="4824535" cy="369332"/>
+            </a:xfrm>
+            <a:prstGeom prst="rect">
+              <a:avLst/>
+            </a:prstGeom>
+            <a:noFill/>
+          </p:spPr>
+          <p:txBody>
+            <a:bodyPr wrap="square" rtlCol="0">
+              <a:spAutoFit/>
+            </a:bodyPr>
+            <a:lstStyle/>
+            <a:p>
+              <a:r>
+                <a:rPr lang="ko-KR" altLang="en-US" dirty="0" smtClean="0"/>
+                <a:t>도움말 </a:t>
+              </a:r>
+              <a:r>
+                <a:rPr lang="ko-KR" altLang="en-US" dirty="0" err="1" smtClean="0"/>
+                <a:t>작성란</a:t>
+              </a:r>
+              <a:endParaRPr lang="ko-KR" altLang="en-US" dirty="0"/>
+            </a:p>
+          </p:txBody>
+        </p:sp>
+      </p:grpSp>
+    </p:spTree>
+    <p:extLst>
+      <p:ext uri="{BB962C8B-B14F-4D97-AF65-F5344CB8AC3E}">
+        <p14:creationId xmlns:p14="http://schemas.microsoft.com/office/powerpoint/2010/main" val="391449504"/>
+      </p:ext>
+    </p:extLst>
+  </p:cSld>
+  <p:clrMapOvr>
+    <a:masterClrMapping/>
+  </p:clrMapOvr>
+</p:sld>
+</file>
+
+<file path=ppt/slides/slide6.xml><?xml version="1.0" encoding="utf-8"?>
+<p:sld xmlns:a="http://schemas.openxmlformats.org/drawingml/2006/main" xmlns:r="http://schemas.openxmlformats.org/officeDocument/2006/relationships" xmlns:p="http://schemas.openxmlformats.org/presentationml/2006/main">
+  <p:cSld>
+    <p:spTree>
+      <p:nvGrpSpPr>
+        <p:cNvPr id="1" name=""/>
+        <p:cNvGrpSpPr/>
+        <p:nvPr/>
+      </p:nvGrpSpPr>
+      <p:grpSpPr>
+        <a:xfrm>
+          <a:off x="0" y="0"/>
+          <a:ext cx="0" cy="0"/>
+          <a:chOff x="0" y="0"/>
+          <a:chExt cx="0" cy="0"/>
+        </a:xfrm>
+      </p:grpSpPr>
+      <p:grpSp>
+        <p:nvGrpSpPr>
+          <p:cNvPr id="9" name="그룹 8"/>
+          <p:cNvGrpSpPr/>
+          <p:nvPr/>
+        </p:nvGrpSpPr>
+        <p:grpSpPr>
+          <a:xfrm>
+            <a:off x="1331640" y="1484784"/>
+            <a:ext cx="5954717" cy="3618448"/>
+            <a:chOff x="1331640" y="1484784"/>
+            <a:chExt cx="5954717" cy="3618448"/>
+          </a:xfrm>
+        </p:grpSpPr>
+        <p:pic>
+          <p:nvPicPr>
+            <p:cNvPr id="5" name="그림 4" descr="C:\Users\KGA_15기\Desktop\그림7.png"/>
+            <p:cNvPicPr/>
+            <p:nvPr/>
+          </p:nvPicPr>
+          <p:blipFill>
+            <a:blip r:embed="rId2" cstate="print">
+              <a:extLst>
+                <a:ext uri="{BEBA8EAE-BF5A-486C-A8C5-ECC9F3942E4B}">
+                  <a14:imgProps xmlns:a14="http://schemas.microsoft.com/office/drawing/2010/main">
+                    <a14:imgLayer r:embed="rId3">
+                      <a14:imgEffect>
+                        <a14:saturation sat="0"/>
+                      </a14:imgEffect>
+                    </a14:imgLayer>
+                  </a14:imgProps>
+                </a:ext>
+                <a:ext uri="{28A0092B-C50C-407E-A947-70E740481C1C}">
+                  <a14:useLocalDpi xmlns:a14="http://schemas.microsoft.com/office/drawing/2010/main" val="0"/>
+                </a:ext>
+              </a:extLst>
+            </a:blip>
+            <a:srcRect/>
+            <a:stretch>
+              <a:fillRect/>
+            </a:stretch>
+          </p:blipFill>
+          <p:spPr bwMode="auto">
+            <a:xfrm>
+              <a:off x="1331640" y="1484784"/>
+              <a:ext cx="5954717" cy="3618448"/>
+            </a:xfrm>
+            <a:prstGeom prst="rect">
+              <a:avLst/>
+            </a:prstGeom>
+            <a:noFill/>
+            <a:ln>
+              <a:noFill/>
+            </a:ln>
+          </p:spPr>
+        </p:pic>
+        <p:sp>
+          <p:nvSpPr>
+            <p:cNvPr id="6" name="직사각형 5"/>
+            <p:cNvSpPr/>
+            <p:nvPr/>
+          </p:nvSpPr>
+          <p:spPr>
+            <a:xfrm>
+              <a:off x="2699792" y="4149080"/>
+              <a:ext cx="3024336" cy="792088"/>
+            </a:xfrm>
+            <a:prstGeom prst="rect">
+              <a:avLst/>
+            </a:prstGeom>
+            <a:solidFill>
+              <a:srgbClr val="868686"/>
+            </a:solidFill>
+            <a:ln>
+              <a:noFill/>
+            </a:ln>
+          </p:spPr>
+          <p:style>
+            <a:lnRef idx="2">
+              <a:schemeClr val="accent1">
+                <a:shade val="50000"/>
+              </a:schemeClr>
+            </a:lnRef>
+            <a:fillRef idx="1">
+              <a:schemeClr val="accent1"/>
+            </a:fillRef>
+            <a:effectRef idx="0">
+              <a:schemeClr val="accent1"/>
+            </a:effectRef>
+            <a:fontRef idx="minor">
+              <a:schemeClr val="lt1"/>
+            </a:fontRef>
+          </p:style>
+          <p:txBody>
+            <a:bodyPr rtlCol="0" anchor="ctr"/>
+            <a:lstStyle/>
+            <a:p>
+              <a:pPr algn="ctr"/>
+              <a:endParaRPr lang="ko-KR" altLang="en-US"/>
+            </a:p>
+          </p:txBody>
+        </p:sp>
+        <p:sp>
+          <p:nvSpPr>
+            <p:cNvPr id="7" name="직사각형 6"/>
+            <p:cNvSpPr/>
+            <p:nvPr/>
+          </p:nvSpPr>
+          <p:spPr>
+            <a:xfrm>
+              <a:off x="2699792" y="3590972"/>
+              <a:ext cx="576064" cy="792088"/>
+            </a:xfrm>
+            <a:prstGeom prst="rect">
+              <a:avLst/>
+            </a:prstGeom>
+            <a:solidFill>
+              <a:srgbClr val="868686"/>
+            </a:solidFill>
+            <a:ln>
+              <a:noFill/>
+            </a:ln>
+          </p:spPr>
+          <p:style>
+            <a:lnRef idx="2">
+              <a:schemeClr val="accent1">
+                <a:shade val="50000"/>
+              </a:schemeClr>
+            </a:lnRef>
+            <a:fillRef idx="1">
+              <a:schemeClr val="accent1"/>
+            </a:fillRef>
+            <a:effectRef idx="0">
+              <a:schemeClr val="accent1"/>
+            </a:effectRef>
+            <a:fontRef idx="minor">
+              <a:schemeClr val="lt1"/>
+            </a:fontRef>
+          </p:style>
+          <p:txBody>
+            <a:bodyPr rtlCol="0" anchor="ctr"/>
+            <a:lstStyle/>
+            <a:p>
+              <a:pPr algn="ctr"/>
+              <a:endParaRPr lang="ko-KR" altLang="en-US"/>
+            </a:p>
+          </p:txBody>
+        </p:sp>
+        <p:sp>
+          <p:nvSpPr>
+            <p:cNvPr id="8" name="직사각형 7"/>
+            <p:cNvSpPr/>
+            <p:nvPr/>
+          </p:nvSpPr>
+          <p:spPr>
+            <a:xfrm>
+              <a:off x="2955686" y="3987016"/>
+              <a:ext cx="392178" cy="396044"/>
+            </a:xfrm>
+            <a:prstGeom prst="rect">
+              <a:avLst/>
+            </a:prstGeom>
+            <a:solidFill>
+              <a:srgbClr val="868686"/>
+            </a:solidFill>
+            <a:ln>
+              <a:noFill/>
+            </a:ln>
+          </p:spPr>
+          <p:style>
+            <a:lnRef idx="2">
+              <a:schemeClr val="accent1">
+                <a:shade val="50000"/>
+              </a:schemeClr>
+            </a:lnRef>
+            <a:fillRef idx="1">
+              <a:schemeClr val="accent1"/>
+            </a:fillRef>
+            <a:effectRef idx="0">
+              <a:schemeClr val="accent1"/>
+            </a:effectRef>
+            <a:fontRef idx="minor">
+              <a:schemeClr val="lt1"/>
+            </a:fontRef>
+          </p:style>
+          <p:txBody>
+            <a:bodyPr rtlCol="0" anchor="ctr"/>
+            <a:lstStyle/>
+            <a:p>
+              <a:pPr algn="ctr"/>
+              <a:endParaRPr lang="ko-KR" altLang="en-US"/>
+            </a:p>
+          </p:txBody>
+        </p:sp>
+      </p:grpSp>
+    </p:spTree>
+    <p:extLst>
+      <p:ext uri="{BB962C8B-B14F-4D97-AF65-F5344CB8AC3E}">
+        <p14:creationId xmlns:p14="http://schemas.microsoft.com/office/powerpoint/2010/main" val="1721249644"/>
+      </p:ext>
+    </p:extLst>
+  </p:cSld>
+  <p:clrMapOvr>
+    <a:masterClrMapping/>
+  </p:clrMapOvr>
+</p:sld>
+</file>
+
+<file path=ppt/slides/slide7.xml><?xml version="1.0" encoding="utf-8"?>
+<p:sld xmlns:a="http://schemas.openxmlformats.org/drawingml/2006/main" xmlns:r="http://schemas.openxmlformats.org/officeDocument/2006/relationships" xmlns:p="http://schemas.openxmlformats.org/presentationml/2006/main">
+  <p:cSld>
+    <p:spTree>
+      <p:nvGrpSpPr>
+        <p:cNvPr id="1" name=""/>
+        <p:cNvGrpSpPr/>
+        <p:nvPr/>
+      </p:nvGrpSpPr>
+      <p:grpSpPr>
+        <a:xfrm>
+          <a:off x="0" y="0"/>
+          <a:ext cx="0" cy="0"/>
+          <a:chOff x="0" y="0"/>
+          <a:chExt cx="0" cy="0"/>
+        </a:xfrm>
+      </p:grpSpPr>
+      <p:grpSp>
+        <p:nvGrpSpPr>
+          <p:cNvPr id="10" name="그룹 9"/>
+          <p:cNvGrpSpPr/>
+          <p:nvPr/>
+        </p:nvGrpSpPr>
+        <p:grpSpPr>
+          <a:xfrm>
+            <a:off x="963617" y="1028492"/>
+            <a:ext cx="7216765" cy="4801016"/>
+            <a:chOff x="963617" y="1028492"/>
+            <a:chExt cx="7216765" cy="4801016"/>
+          </a:xfrm>
+        </p:grpSpPr>
+        <p:pic>
+          <p:nvPicPr>
+            <p:cNvPr id="8" name="그림 7"/>
+            <p:cNvPicPr>
+              <a:picLocks noChangeAspect="1"/>
+            </p:cNvPicPr>
+            <p:nvPr/>
+          </p:nvPicPr>
+          <p:blipFill>
+            <a:blip r:embed="rId2">
+              <a:extLst>
+                <a:ext uri="{28A0092B-C50C-407E-A947-70E740481C1C}">
+                  <a14:useLocalDpi xmlns:a14="http://schemas.microsoft.com/office/drawing/2010/main" val="0"/>
+                </a:ext>
+              </a:extLst>
+            </a:blip>
+            <a:stretch>
+              <a:fillRect/>
+            </a:stretch>
+          </p:blipFill>
+          <p:spPr>
+            <a:xfrm>
+              <a:off x="963617" y="1028492"/>
+              <a:ext cx="7216765" cy="4801016"/>
+            </a:xfrm>
+            <a:prstGeom prst="rect">
+              <a:avLst/>
+            </a:prstGeom>
+          </p:spPr>
+        </p:pic>
+        <p:sp>
+          <p:nvSpPr>
+            <p:cNvPr id="9" name="직사각형 8"/>
+            <p:cNvSpPr/>
+            <p:nvPr/>
+          </p:nvSpPr>
+          <p:spPr>
+            <a:xfrm>
+              <a:off x="2195736" y="4293096"/>
+              <a:ext cx="648072" cy="216024"/>
+            </a:xfrm>
+            <a:prstGeom prst="rect">
+              <a:avLst/>
+            </a:prstGeom>
+            <a:solidFill>
+              <a:srgbClr val="868686"/>
+            </a:solidFill>
+            <a:ln>
+              <a:noFill/>
+            </a:ln>
+          </p:spPr>
+          <p:style>
+            <a:lnRef idx="2">
+              <a:schemeClr val="accent1">
+                <a:shade val="50000"/>
+              </a:schemeClr>
+            </a:lnRef>
+            <a:fillRef idx="1">
+              <a:schemeClr val="accent1"/>
+            </a:fillRef>
+            <a:effectRef idx="0">
+              <a:schemeClr val="accent1"/>
+            </a:effectRef>
+            <a:fontRef idx="minor">
+              <a:schemeClr val="lt1"/>
+            </a:fontRef>
+          </p:style>
+          <p:txBody>
+            <a:bodyPr rtlCol="0" anchor="ctr"/>
+            <a:lstStyle/>
+            <a:p>
+              <a:pPr algn="ctr"/>
+              <a:endParaRPr lang="ko-KR" altLang="en-US"/>
+            </a:p>
+          </p:txBody>
+        </p:sp>
+      </p:grpSp>
+    </p:spTree>
+    <p:extLst>
+      <p:ext uri="{BB962C8B-B14F-4D97-AF65-F5344CB8AC3E}">
+        <p14:creationId xmlns:p14="http://schemas.microsoft.com/office/powerpoint/2010/main" val="3856536995"/>
+      </p:ext>
+    </p:extLst>
+  </p:cSld>
+  <p:clrMapOvr>
+    <a:masterClrMapping/>
+  </p:clrMapOvr>
+</p:sld>
+</file>
+
 <file path=ppt/theme/theme1.xml><?xml version="1.0" encoding="utf-8"?>
 <a:theme xmlns:a="http://schemas.openxmlformats.org/drawingml/2006/main" name="Office 테마">
   <a:themeElements>
